--- a/slides/MACC-Names.pptx
+++ b/slides/MACC-Names.pptx
@@ -16512,6 +16512,12 @@
           <a:p>
             <a:r>
               <a:rPr lang="en-US" dirty="0"/>
+              <a:t>Public or private knowledge?</a:t>
+            </a:r>
+          </a:p>
+          <a:p>
+            <a:r>
+              <a:rPr lang="en-US" dirty="0"/>
               <a:t>Security at the database or application level?</a:t>
             </a:r>
           </a:p>
@@ -36992,7 +36998,15 @@
             </a:pPr>
             <a:r>
               <a:rPr lang="en-US" dirty="0"/>
-              <a:t>Architectural patterns are high-level </a:t>
+              <a:t>Architectural patterns are </a:t>
+            </a:r>
+            <a:r>
+              <a:rPr lang="en-US" b="1" dirty="0"/>
+              <a:t>reusable</a:t>
+            </a:r>
+            <a:r>
+              <a:rPr lang="en-US" dirty="0"/>
+              <a:t> high-level </a:t>
             </a:r>
             <a:r>
               <a:rPr lang="en-US" b="1" dirty="0"/>
